--- a/RC4/Image/state_machine.pptx
+++ b/RC4/Image/state_machine.pptx
@@ -104,6 +104,11 @@
       </a:defRPr>
     </a:lvl9pPr>
   </p:defaultTextStyle>
+  <p:extLst>
+    <p:ext uri="{EFAFB233-063F-42B5-8137-9DF3F51BA10A}">
+      <p15:sldGuideLst xmlns:p15="http://schemas.microsoft.com/office/powerpoint/2012/main"/>
+    </p:ext>
+  </p:extLst>
 </p:presentation>
 </file>
 
@@ -254,7 +259,7 @@
           <a:p>
             <a:fld id="{3B66BABF-EBD8-42E4-841F-69CD8E030302}" type="datetimeFigureOut">
               <a:rPr lang="zh-TW" altLang="en-US" smtClean="0"/>
-              <a:t>2020/9/12</a:t>
+              <a:t>2020/9/17</a:t>
             </a:fld>
             <a:endParaRPr lang="zh-TW" altLang="en-US"/>
           </a:p>
@@ -452,7 +457,7 @@
           <a:p>
             <a:fld id="{3B66BABF-EBD8-42E4-841F-69CD8E030302}" type="datetimeFigureOut">
               <a:rPr lang="zh-TW" altLang="en-US" smtClean="0"/>
-              <a:t>2020/9/12</a:t>
+              <a:t>2020/9/17</a:t>
             </a:fld>
             <a:endParaRPr lang="zh-TW" altLang="en-US"/>
           </a:p>
@@ -660,7 +665,7 @@
           <a:p>
             <a:fld id="{3B66BABF-EBD8-42E4-841F-69CD8E030302}" type="datetimeFigureOut">
               <a:rPr lang="zh-TW" altLang="en-US" smtClean="0"/>
-              <a:t>2020/9/12</a:t>
+              <a:t>2020/9/17</a:t>
             </a:fld>
             <a:endParaRPr lang="zh-TW" altLang="en-US"/>
           </a:p>
@@ -858,7 +863,7 @@
           <a:p>
             <a:fld id="{3B66BABF-EBD8-42E4-841F-69CD8E030302}" type="datetimeFigureOut">
               <a:rPr lang="zh-TW" altLang="en-US" smtClean="0"/>
-              <a:t>2020/9/12</a:t>
+              <a:t>2020/9/17</a:t>
             </a:fld>
             <a:endParaRPr lang="zh-TW" altLang="en-US"/>
           </a:p>
@@ -1133,7 +1138,7 @@
           <a:p>
             <a:fld id="{3B66BABF-EBD8-42E4-841F-69CD8E030302}" type="datetimeFigureOut">
               <a:rPr lang="zh-TW" altLang="en-US" smtClean="0"/>
-              <a:t>2020/9/12</a:t>
+              <a:t>2020/9/17</a:t>
             </a:fld>
             <a:endParaRPr lang="zh-TW" altLang="en-US"/>
           </a:p>
@@ -1398,7 +1403,7 @@
           <a:p>
             <a:fld id="{3B66BABF-EBD8-42E4-841F-69CD8E030302}" type="datetimeFigureOut">
               <a:rPr lang="zh-TW" altLang="en-US" smtClean="0"/>
-              <a:t>2020/9/12</a:t>
+              <a:t>2020/9/17</a:t>
             </a:fld>
             <a:endParaRPr lang="zh-TW" altLang="en-US"/>
           </a:p>
@@ -1810,7 +1815,7 @@
           <a:p>
             <a:fld id="{3B66BABF-EBD8-42E4-841F-69CD8E030302}" type="datetimeFigureOut">
               <a:rPr lang="zh-TW" altLang="en-US" smtClean="0"/>
-              <a:t>2020/9/12</a:t>
+              <a:t>2020/9/17</a:t>
             </a:fld>
             <a:endParaRPr lang="zh-TW" altLang="en-US"/>
           </a:p>
@@ -1951,7 +1956,7 @@
           <a:p>
             <a:fld id="{3B66BABF-EBD8-42E4-841F-69CD8E030302}" type="datetimeFigureOut">
               <a:rPr lang="zh-TW" altLang="en-US" smtClean="0"/>
-              <a:t>2020/9/12</a:t>
+              <a:t>2020/9/17</a:t>
             </a:fld>
             <a:endParaRPr lang="zh-TW" altLang="en-US"/>
           </a:p>
@@ -2064,7 +2069,7 @@
           <a:p>
             <a:fld id="{3B66BABF-EBD8-42E4-841F-69CD8E030302}" type="datetimeFigureOut">
               <a:rPr lang="zh-TW" altLang="en-US" smtClean="0"/>
-              <a:t>2020/9/12</a:t>
+              <a:t>2020/9/17</a:t>
             </a:fld>
             <a:endParaRPr lang="zh-TW" altLang="en-US"/>
           </a:p>
@@ -2375,7 +2380,7 @@
           <a:p>
             <a:fld id="{3B66BABF-EBD8-42E4-841F-69CD8E030302}" type="datetimeFigureOut">
               <a:rPr lang="zh-TW" altLang="en-US" smtClean="0"/>
-              <a:t>2020/9/12</a:t>
+              <a:t>2020/9/17</a:t>
             </a:fld>
             <a:endParaRPr lang="zh-TW" altLang="en-US"/>
           </a:p>
@@ -2663,7 +2668,7 @@
           <a:p>
             <a:fld id="{3B66BABF-EBD8-42E4-841F-69CD8E030302}" type="datetimeFigureOut">
               <a:rPr lang="zh-TW" altLang="en-US" smtClean="0"/>
-              <a:t>2020/9/12</a:t>
+              <a:t>2020/9/17</a:t>
             </a:fld>
             <a:endParaRPr lang="zh-TW" altLang="en-US"/>
           </a:p>
@@ -2904,7 +2909,7 @@
           <a:p>
             <a:fld id="{3B66BABF-EBD8-42E4-841F-69CD8E030302}" type="datetimeFigureOut">
               <a:rPr lang="zh-TW" altLang="en-US" smtClean="0"/>
-              <a:t>2020/9/12</a:t>
+              <a:t>2020/9/17</a:t>
             </a:fld>
             <a:endParaRPr lang="zh-TW" altLang="en-US"/>
           </a:p>
@@ -3323,10 +3328,10 @@
       </p:grpSpPr>
       <p:grpSp>
         <p:nvGrpSpPr>
-          <p:cNvPr id="96" name="群組 95">
+          <p:cNvPr id="2" name="群組 1">
             <a:extLst>
               <a:ext uri="{FF2B5EF4-FFF2-40B4-BE49-F238E27FC236}">
-                <a16:creationId xmlns:a16="http://schemas.microsoft.com/office/drawing/2014/main" id="{B40A022E-CB35-443B-B6D6-F4DE21E68454}"/>
+                <a16:creationId xmlns:a16="http://schemas.microsoft.com/office/drawing/2014/main" id="{D0728B1F-C3A6-452F-9196-DD015FDAEE27}"/>
               </a:ext>
             </a:extLst>
           </p:cNvPr>
@@ -3337,7 +3342,7 @@
           <a:xfrm>
             <a:off x="1299013" y="613422"/>
             <a:ext cx="10046330" cy="5631156"/>
-            <a:chOff x="958545" y="200472"/>
+            <a:chOff x="1299013" y="613422"/>
             <a:chExt cx="10046330" cy="5631156"/>
           </a:xfrm>
         </p:grpSpPr>
@@ -3355,7 +3360,7 @@
           </p:nvSpPr>
           <p:spPr>
             <a:xfrm>
-              <a:off x="1193611" y="1047081"/>
+              <a:off x="1534079" y="1460031"/>
               <a:ext cx="1680518" cy="1680518"/>
             </a:xfrm>
             <a:prstGeom prst="ellipse">
@@ -3413,7 +3418,7 @@
           </p:nvSpPr>
           <p:spPr>
             <a:xfrm>
-              <a:off x="3226298" y="1047081"/>
+              <a:off x="3566766" y="1460031"/>
               <a:ext cx="1680518" cy="1680518"/>
             </a:xfrm>
             <a:prstGeom prst="ellipse">
@@ -3471,7 +3476,7 @@
           </p:nvSpPr>
           <p:spPr>
             <a:xfrm>
-              <a:off x="5258985" y="1047081"/>
+              <a:off x="5599453" y="1460031"/>
               <a:ext cx="1680518" cy="1680518"/>
             </a:xfrm>
             <a:prstGeom prst="ellipse">
@@ -3529,7 +3534,7 @@
           </p:nvSpPr>
           <p:spPr>
             <a:xfrm>
-              <a:off x="7291671" y="1047081"/>
+              <a:off x="7632139" y="1460031"/>
               <a:ext cx="1680518" cy="1680518"/>
             </a:xfrm>
             <a:prstGeom prst="ellipse">
@@ -3681,7 +3686,7 @@
           </p:nvSpPr>
           <p:spPr>
             <a:xfrm>
-              <a:off x="5258985" y="3581400"/>
+              <a:off x="5599453" y="3994350"/>
               <a:ext cx="1680518" cy="1680518"/>
             </a:xfrm>
             <a:prstGeom prst="ellipse">
@@ -3844,7 +3849,7 @@
           </p:nvSpPr>
           <p:spPr>
             <a:xfrm>
-              <a:off x="3226298" y="3581400"/>
+              <a:off x="3566766" y="3994350"/>
               <a:ext cx="1680518" cy="1680518"/>
             </a:xfrm>
             <a:prstGeom prst="ellipse">
@@ -4007,7 +4012,7 @@
           </p:nvSpPr>
           <p:spPr>
             <a:xfrm>
-              <a:off x="7291672" y="3581400"/>
+              <a:off x="7632140" y="3994350"/>
               <a:ext cx="1680518" cy="1680518"/>
             </a:xfrm>
             <a:prstGeom prst="ellipse">
@@ -4170,7 +4175,7 @@
           </p:nvSpPr>
           <p:spPr>
             <a:xfrm>
-              <a:off x="9324357" y="3581400"/>
+              <a:off x="9664825" y="3994350"/>
               <a:ext cx="1680518" cy="1680518"/>
             </a:xfrm>
             <a:prstGeom prst="ellipse">
@@ -4322,7 +4327,7 @@
           </p:nvSpPr>
           <p:spPr>
             <a:xfrm>
-              <a:off x="1193611" y="3581400"/>
+              <a:off x="1534079" y="3994350"/>
               <a:ext cx="1680518" cy="1680518"/>
             </a:xfrm>
             <a:prstGeom prst="ellipse">
@@ -4474,7 +4479,7 @@
           </p:nvSpPr>
           <p:spPr>
             <a:xfrm>
-              <a:off x="9324357" y="1047081"/>
+              <a:off x="9664825" y="1460031"/>
               <a:ext cx="1680518" cy="1680518"/>
             </a:xfrm>
             <a:prstGeom prst="ellipse">
@@ -4629,7 +4634,7 @@
           </p:nvCxnSpPr>
           <p:spPr>
             <a:xfrm>
-              <a:off x="2874129" y="1887340"/>
+              <a:off x="3214597" y="2300290"/>
               <a:ext cx="352169" cy="0"/>
             </a:xfrm>
             <a:prstGeom prst="straightConnector1">
@@ -4640,13 +4645,13 @@
             </a:ln>
           </p:spPr>
           <p:style>
-            <a:lnRef idx="1">
+            <a:lnRef idx="2">
               <a:schemeClr val="accent1"/>
             </a:lnRef>
             <a:fillRef idx="0">
               <a:schemeClr val="accent1"/>
             </a:fillRef>
-            <a:effectRef idx="0">
+            <a:effectRef idx="1">
               <a:schemeClr val="accent1"/>
             </a:effectRef>
             <a:fontRef idx="minor">
@@ -4671,7 +4676,7 @@
           </p:nvCxnSpPr>
           <p:spPr>
             <a:xfrm rot="5400000" flipH="1" flipV="1">
-              <a:off x="2033870" y="699034"/>
+              <a:off x="2374338" y="1111984"/>
               <a:ext cx="12700" cy="1188306"/>
             </a:xfrm>
             <a:prstGeom prst="curvedConnector3">
@@ -4684,13 +4689,13 @@
             </a:ln>
           </p:spPr>
           <p:style>
-            <a:lnRef idx="1">
+            <a:lnRef idx="2">
               <a:schemeClr val="accent1"/>
             </a:lnRef>
             <a:fillRef idx="0">
               <a:schemeClr val="accent1"/>
             </a:fillRef>
-            <a:effectRef idx="0">
+            <a:effectRef idx="1">
               <a:schemeClr val="accent1"/>
             </a:effectRef>
             <a:fontRef idx="minor">
@@ -4715,7 +4720,7 @@
           </p:nvCxnSpPr>
           <p:spPr>
             <a:xfrm rot="5400000" flipH="1" flipV="1">
-              <a:off x="4066557" y="699034"/>
+              <a:off x="4407025" y="1111984"/>
               <a:ext cx="12700" cy="1188306"/>
             </a:xfrm>
             <a:prstGeom prst="curvedConnector3">
@@ -4728,13 +4733,13 @@
             </a:ln>
           </p:spPr>
           <p:style>
-            <a:lnRef idx="1">
+            <a:lnRef idx="2">
               <a:schemeClr val="accent1"/>
             </a:lnRef>
             <a:fillRef idx="0">
               <a:schemeClr val="accent1"/>
             </a:fillRef>
-            <a:effectRef idx="0">
+            <a:effectRef idx="1">
               <a:schemeClr val="accent1"/>
             </a:effectRef>
             <a:fontRef idx="minor">
@@ -4759,7 +4764,7 @@
           </p:nvCxnSpPr>
           <p:spPr>
             <a:xfrm>
-              <a:off x="4906816" y="1887340"/>
+              <a:off x="5247284" y="2300290"/>
               <a:ext cx="352169" cy="0"/>
             </a:xfrm>
             <a:prstGeom prst="straightConnector1">
@@ -4770,13 +4775,13 @@
             </a:ln>
           </p:spPr>
           <p:style>
-            <a:lnRef idx="1">
+            <a:lnRef idx="2">
               <a:schemeClr val="accent1"/>
             </a:lnRef>
             <a:fillRef idx="0">
               <a:schemeClr val="accent1"/>
             </a:fillRef>
-            <a:effectRef idx="0">
+            <a:effectRef idx="1">
               <a:schemeClr val="accent1"/>
             </a:effectRef>
             <a:fontRef idx="minor">
@@ -4801,7 +4806,7 @@
           </p:nvCxnSpPr>
           <p:spPr>
             <a:xfrm>
-              <a:off x="6939503" y="1887340"/>
+              <a:off x="7279971" y="2300290"/>
               <a:ext cx="352168" cy="0"/>
             </a:xfrm>
             <a:prstGeom prst="straightConnector1">
@@ -4812,13 +4817,13 @@
             </a:ln>
           </p:spPr>
           <p:style>
-            <a:lnRef idx="1">
+            <a:lnRef idx="2">
               <a:schemeClr val="accent1"/>
             </a:lnRef>
             <a:fillRef idx="0">
               <a:schemeClr val="accent1"/>
             </a:fillRef>
-            <a:effectRef idx="0">
+            <a:effectRef idx="1">
               <a:schemeClr val="accent1"/>
             </a:effectRef>
             <a:fontRef idx="minor">
@@ -4843,7 +4848,7 @@
           </p:nvCxnSpPr>
           <p:spPr>
             <a:xfrm rot="5400000" flipH="1" flipV="1">
-              <a:off x="8131930" y="-985605"/>
+              <a:off x="8472398" y="-572655"/>
               <a:ext cx="12700" cy="4065372"/>
             </a:xfrm>
             <a:prstGeom prst="curvedConnector3">
@@ -4856,13 +4861,13 @@
             </a:ln>
           </p:spPr>
           <p:style>
-            <a:lnRef idx="1">
+            <a:lnRef idx="2">
               <a:schemeClr val="accent2"/>
             </a:lnRef>
             <a:fillRef idx="0">
               <a:schemeClr val="accent2"/>
             </a:fillRef>
-            <a:effectRef idx="0">
+            <a:effectRef idx="1">
               <a:schemeClr val="accent2"/>
             </a:effectRef>
             <a:fontRef idx="minor">
@@ -4887,7 +4892,7 @@
           </p:nvCxnSpPr>
           <p:spPr>
             <a:xfrm rot="5400000">
-              <a:off x="4656000" y="105469"/>
+              <a:off x="4996468" y="518419"/>
               <a:ext cx="853801" cy="6098060"/>
             </a:xfrm>
             <a:prstGeom prst="curvedConnector3">
@@ -4898,13 +4903,13 @@
             </a:ln>
           </p:spPr>
           <p:style>
-            <a:lnRef idx="1">
+            <a:lnRef idx="2">
               <a:schemeClr val="accent1"/>
             </a:lnRef>
             <a:fillRef idx="0">
               <a:schemeClr val="accent1"/>
             </a:fillRef>
-            <a:effectRef idx="0">
+            <a:effectRef idx="1">
               <a:schemeClr val="accent1"/>
             </a:effectRef>
             <a:fontRef idx="minor">
@@ -4929,7 +4934,7 @@
           </p:nvCxnSpPr>
           <p:spPr>
             <a:xfrm>
-              <a:off x="2874129" y="4421659"/>
+              <a:off x="3214597" y="4834609"/>
               <a:ext cx="352169" cy="0"/>
             </a:xfrm>
             <a:prstGeom prst="straightConnector1">
@@ -4940,13 +4945,13 @@
             </a:ln>
           </p:spPr>
           <p:style>
-            <a:lnRef idx="1">
+            <a:lnRef idx="2">
               <a:schemeClr val="accent1"/>
             </a:lnRef>
             <a:fillRef idx="0">
               <a:schemeClr val="accent1"/>
             </a:fillRef>
-            <a:effectRef idx="0">
+            <a:effectRef idx="1">
               <a:schemeClr val="accent1"/>
             </a:effectRef>
             <a:fontRef idx="minor">
@@ -4972,7 +4977,7 @@
           </p:nvCxnSpPr>
           <p:spPr>
             <a:xfrm flipV="1">
-              <a:off x="4906816" y="2727599"/>
+              <a:off x="5247284" y="3140549"/>
               <a:ext cx="1192428" cy="1694060"/>
             </a:xfrm>
             <a:prstGeom prst="curvedConnector2">
@@ -4983,13 +4988,13 @@
             </a:ln>
           </p:spPr>
           <p:style>
-            <a:lnRef idx="1">
+            <a:lnRef idx="2">
               <a:schemeClr val="accent1"/>
             </a:lnRef>
             <a:fillRef idx="0">
               <a:schemeClr val="accent1"/>
             </a:fillRef>
-            <a:effectRef idx="0">
+            <a:effectRef idx="1">
               <a:schemeClr val="accent1"/>
             </a:effectRef>
             <a:fontRef idx="minor">
@@ -5014,7 +5019,7 @@
           </p:nvCxnSpPr>
           <p:spPr>
             <a:xfrm rot="5400000">
-              <a:off x="7705030" y="1121813"/>
+              <a:off x="8045498" y="1534763"/>
               <a:ext cx="853801" cy="4065372"/>
             </a:xfrm>
             <a:prstGeom prst="curvedConnector3">
@@ -5025,13 +5030,13 @@
             </a:ln>
           </p:spPr>
           <p:style>
-            <a:lnRef idx="1">
+            <a:lnRef idx="2">
               <a:schemeClr val="accent2"/>
             </a:lnRef>
             <a:fillRef idx="0">
               <a:schemeClr val="accent2"/>
             </a:fillRef>
-            <a:effectRef idx="0">
+            <a:effectRef idx="1">
               <a:schemeClr val="accent2"/>
             </a:effectRef>
             <a:fontRef idx="minor">
@@ -5056,7 +5061,7 @@
           </p:nvCxnSpPr>
           <p:spPr>
             <a:xfrm>
-              <a:off x="6939503" y="4421659"/>
+              <a:off x="7279971" y="4834609"/>
               <a:ext cx="352169" cy="0"/>
             </a:xfrm>
             <a:prstGeom prst="straightConnector1">
@@ -5067,13 +5072,13 @@
             </a:ln>
           </p:spPr>
           <p:style>
-            <a:lnRef idx="1">
+            <a:lnRef idx="2">
               <a:schemeClr val="accent2"/>
             </a:lnRef>
             <a:fillRef idx="0">
               <a:schemeClr val="accent2"/>
             </a:fillRef>
-            <a:effectRef idx="0">
+            <a:effectRef idx="1">
               <a:schemeClr val="accent2"/>
             </a:effectRef>
             <a:fontRef idx="minor">
@@ -5098,7 +5103,7 @@
           </p:nvCxnSpPr>
           <p:spPr>
             <a:xfrm>
-              <a:off x="8972190" y="4421659"/>
+              <a:off x="9312658" y="4834609"/>
               <a:ext cx="352167" cy="0"/>
             </a:xfrm>
             <a:prstGeom prst="straightConnector1">
@@ -5109,13 +5114,13 @@
             </a:ln>
           </p:spPr>
           <p:style>
-            <a:lnRef idx="1">
+            <a:lnRef idx="2">
               <a:schemeClr val="accent2"/>
             </a:lnRef>
             <a:fillRef idx="0">
               <a:schemeClr val="accent2"/>
             </a:fillRef>
-            <a:effectRef idx="0">
+            <a:effectRef idx="1">
               <a:schemeClr val="accent2"/>
             </a:effectRef>
             <a:fontRef idx="minor">
@@ -5137,7 +5142,7 @@
           </p:nvSpPr>
           <p:spPr>
             <a:xfrm>
-              <a:off x="958545" y="579155"/>
+              <a:off x="1299013" y="992105"/>
               <a:ext cx="2303836" cy="369332"/>
             </a:xfrm>
             <a:prstGeom prst="rect">
@@ -5189,7 +5194,7 @@
           </p:nvSpPr>
           <p:spPr>
             <a:xfrm>
-              <a:off x="2040220" y="2007219"/>
+              <a:off x="2380688" y="2420169"/>
               <a:ext cx="2239716" cy="369332"/>
             </a:xfrm>
             <a:prstGeom prst="rect">
@@ -5241,7 +5246,7 @@
           </p:nvSpPr>
           <p:spPr>
             <a:xfrm>
-              <a:off x="4421355" y="1998077"/>
+              <a:off x="4761823" y="2411027"/>
               <a:ext cx="2303836" cy="369332"/>
             </a:xfrm>
             <a:prstGeom prst="rect">
@@ -5293,7 +5298,7 @@
           </p:nvSpPr>
           <p:spPr>
             <a:xfrm>
-              <a:off x="3226298" y="582095"/>
+              <a:off x="3566766" y="995045"/>
               <a:ext cx="2239716" cy="369332"/>
             </a:xfrm>
             <a:prstGeom prst="rect">
@@ -5345,7 +5350,7 @@
           </p:nvSpPr>
           <p:spPr>
             <a:xfrm>
-              <a:off x="6415588" y="1518007"/>
+              <a:off x="6756056" y="1930957"/>
               <a:ext cx="1470274" cy="369332"/>
             </a:xfrm>
             <a:prstGeom prst="rect">
@@ -5389,7 +5394,7 @@
           </p:nvSpPr>
           <p:spPr>
             <a:xfrm>
-              <a:off x="7431930" y="200472"/>
+              <a:off x="7772398" y="613422"/>
               <a:ext cx="1470274" cy="369332"/>
             </a:xfrm>
             <a:prstGeom prst="rect">
@@ -5436,7 +5441,7 @@
           </p:nvCxnSpPr>
           <p:spPr>
             <a:xfrm rot="5400000" flipH="1" flipV="1">
-              <a:off x="8131930" y="699034"/>
+              <a:off x="8472398" y="1111984"/>
               <a:ext cx="12700" cy="1188306"/>
             </a:xfrm>
             <a:prstGeom prst="curvedConnector3">
@@ -5449,13 +5454,13 @@
             </a:ln>
           </p:spPr>
           <p:style>
-            <a:lnRef idx="1">
+            <a:lnRef idx="2">
               <a:schemeClr val="accent1"/>
             </a:lnRef>
             <a:fillRef idx="0">
               <a:schemeClr val="accent1"/>
             </a:fillRef>
-            <a:effectRef idx="0">
+            <a:effectRef idx="1">
               <a:schemeClr val="accent1"/>
             </a:effectRef>
             <a:fontRef idx="minor">
@@ -5477,7 +5482,7 @@
           </p:nvSpPr>
           <p:spPr>
             <a:xfrm>
-              <a:off x="7834350" y="666734"/>
+              <a:off x="8174818" y="1079684"/>
               <a:ext cx="646331" cy="369332"/>
             </a:xfrm>
             <a:prstGeom prst="rect">
@@ -5521,7 +5526,7 @@
           </p:nvSpPr>
           <p:spPr>
             <a:xfrm>
-              <a:off x="4721262" y="2838337"/>
+              <a:off x="5061730" y="3251287"/>
               <a:ext cx="761747" cy="369332"/>
             </a:xfrm>
             <a:prstGeom prst="rect">
@@ -5565,7 +5570,7 @@
           </p:nvSpPr>
           <p:spPr>
             <a:xfrm>
-              <a:off x="4421355" y="3678595"/>
+              <a:off x="4761823" y="4091545"/>
               <a:ext cx="1595309" cy="369332"/>
             </a:xfrm>
             <a:prstGeom prst="rect">
@@ -5620,7 +5625,7 @@
           </p:nvCxnSpPr>
           <p:spPr>
             <a:xfrm rot="16200000" flipH="1">
-              <a:off x="4066557" y="4421659"/>
+              <a:off x="4407025" y="4834609"/>
               <a:ext cx="12700" cy="1188306"/>
             </a:xfrm>
             <a:prstGeom prst="curvedConnector3">
@@ -5633,13 +5638,13 @@
             </a:ln>
           </p:spPr>
           <p:style>
-            <a:lnRef idx="1">
+            <a:lnRef idx="2">
               <a:schemeClr val="accent1"/>
             </a:lnRef>
             <a:fillRef idx="0">
               <a:schemeClr val="accent1"/>
             </a:fillRef>
-            <a:effectRef idx="0">
+            <a:effectRef idx="1">
               <a:schemeClr val="accent1"/>
             </a:effectRef>
             <a:fontRef idx="minor">
@@ -5661,7 +5666,7 @@
           </p:nvSpPr>
           <p:spPr>
             <a:xfrm>
-              <a:off x="3321898" y="5441587"/>
+              <a:off x="3662366" y="5854537"/>
               <a:ext cx="1518364" cy="369332"/>
             </a:xfrm>
             <a:prstGeom prst="rect">
@@ -5708,7 +5713,7 @@
           </p:nvCxnSpPr>
           <p:spPr>
             <a:xfrm rot="5400000" flipH="1" flipV="1">
-              <a:off x="10164616" y="699034"/>
+              <a:off x="10505084" y="1111984"/>
               <a:ext cx="12700" cy="1188306"/>
             </a:xfrm>
             <a:prstGeom prst="curvedConnector3">
@@ -5721,13 +5726,13 @@
             </a:ln>
           </p:spPr>
           <p:style>
-            <a:lnRef idx="1">
+            <a:lnRef idx="2">
               <a:schemeClr val="accent2"/>
             </a:lnRef>
             <a:fillRef idx="0">
               <a:schemeClr val="accent2"/>
             </a:fillRef>
-            <a:effectRef idx="0">
+            <a:effectRef idx="1">
               <a:schemeClr val="accent2"/>
             </a:effectRef>
             <a:fontRef idx="minor">
@@ -5749,7 +5754,7 @@
           </p:nvSpPr>
           <p:spPr>
             <a:xfrm>
-              <a:off x="5313670" y="3244334"/>
+              <a:off x="5654138" y="3657284"/>
               <a:ext cx="1595309" cy="369332"/>
             </a:xfrm>
             <a:prstGeom prst="rect">
@@ -5895,7 +5900,7 @@
           </p:nvSpPr>
           <p:spPr>
             <a:xfrm>
-              <a:off x="9860686" y="666734"/>
+              <a:off x="10201154" y="1079684"/>
               <a:ext cx="646331" cy="369332"/>
             </a:xfrm>
             <a:prstGeom prst="rect">
@@ -5939,7 +5944,7 @@
           </p:nvSpPr>
           <p:spPr>
             <a:xfrm>
-              <a:off x="8370795" y="2838337"/>
+              <a:off x="8711263" y="3251287"/>
               <a:ext cx="761747" cy="369332"/>
             </a:xfrm>
             <a:prstGeom prst="rect">
@@ -5986,7 +5991,7 @@
           </p:nvCxnSpPr>
           <p:spPr>
             <a:xfrm rot="16200000" flipH="1">
-              <a:off x="8131931" y="4421659"/>
+              <a:off x="8472399" y="4834609"/>
               <a:ext cx="12700" cy="1188306"/>
             </a:xfrm>
             <a:prstGeom prst="curvedConnector3">
@@ -5999,13 +6004,13 @@
             </a:ln>
           </p:spPr>
           <p:style>
-            <a:lnRef idx="1">
+            <a:lnRef idx="2">
               <a:schemeClr val="accent2"/>
             </a:lnRef>
             <a:fillRef idx="0">
               <a:schemeClr val="accent2"/>
             </a:fillRef>
-            <a:effectRef idx="0">
+            <a:effectRef idx="1">
               <a:schemeClr val="accent2"/>
             </a:effectRef>
             <a:fontRef idx="minor">
@@ -6027,7 +6032,7 @@
           </p:nvSpPr>
           <p:spPr>
             <a:xfrm>
-              <a:off x="7328698" y="5462296"/>
+              <a:off x="7669166" y="5875246"/>
               <a:ext cx="1633781" cy="369332"/>
             </a:xfrm>
             <a:prstGeom prst="rect">
@@ -6071,7 +6076,7 @@
           </p:nvSpPr>
           <p:spPr>
             <a:xfrm>
-              <a:off x="8465148" y="3857154"/>
+              <a:off x="8805616" y="4270104"/>
               <a:ext cx="1710725" cy="369332"/>
             </a:xfrm>
             <a:prstGeom prst="rect">
